--- a/Proposal.pptx
+++ b/Proposal.pptx
@@ -7,12 +7,12 @@
   <p:sldIdLst>
     <p:sldId id="256" r:id="rId2"/>
     <p:sldId id="257" r:id="rId3"/>
-    <p:sldId id="258" r:id="rId4"/>
+    <p:sldId id="262" r:id="rId4"/>
     <p:sldId id="259" r:id="rId5"/>
-    <p:sldId id="260" r:id="rId6"/>
-    <p:sldId id="261" r:id="rId7"/>
-    <p:sldId id="262" r:id="rId8"/>
-    <p:sldId id="263" r:id="rId9"/>
+    <p:sldId id="263" r:id="rId6"/>
+    <p:sldId id="258" r:id="rId7"/>
+    <p:sldId id="260" r:id="rId8"/>
+    <p:sldId id="261" r:id="rId9"/>
     <p:sldId id="264" r:id="rId10"/>
     <p:sldId id="265" r:id="rId11"/>
     <p:sldId id="266" r:id="rId12"/>
@@ -2996,11 +2996,7 @@
           <a:p>
             <a:r>
               <a:rPr lang="en-US" dirty="0" smtClean="0"/>
-              <a:t>Barrier to </a:t>
-            </a:r>
-            <a:r>
-              <a:rPr lang="en-US" dirty="0" smtClean="0"/>
-              <a:t>Entry</a:t>
+              <a:t>Barrier to Entry</a:t>
             </a:r>
             <a:br>
               <a:rPr lang="en-US" dirty="0" smtClean="0"/>
@@ -3424,11 +3420,7 @@
             </a:r>
             <a:r>
               <a:rPr lang="en-US" smtClean="0"/>
-              <a:t>Jedi </a:t>
-            </a:r>
-            <a:r>
-              <a:rPr lang="en-US" smtClean="0"/>
-              <a:t>simulator</a:t>
+              <a:t>Jedi simulator</a:t>
             </a:r>
             <a:endParaRPr lang="en-US" dirty="0" smtClean="0"/>
           </a:p>
@@ -3517,89 +3509,133 @@
           <a:lstStyle/>
           <a:p>
             <a:r>
+              <a:rPr lang="en-US" dirty="0" smtClean="0"/>
+              <a:t>Did you say </a:t>
+            </a:r>
+            <a:r>
+              <a:rPr lang="en-US" i="1" dirty="0" smtClean="0"/>
+              <a:t>Star Wars</a:t>
+            </a:r>
+            <a:r>
+              <a:rPr lang="en-US" dirty="0" smtClean="0"/>
+              <a:t>?</a:t>
+            </a:r>
+            <a:endParaRPr lang="en-US" dirty="0"/>
+          </a:p>
+        </p:txBody>
+      </p:sp>
+      <p:sp>
+        <p:nvSpPr>
+          <p:cNvPr id="3" name="Content Placeholder 2"/>
+          <p:cNvSpPr>
+            <a:spLocks noGrp="1"/>
+          </p:cNvSpPr>
+          <p:nvPr>
+            <p:ph idx="1"/>
+          </p:nvPr>
+        </p:nvSpPr>
+        <p:spPr/>
+        <p:txBody>
+          <a:bodyPr/>
+          <a:lstStyle/>
+          <a:p>
+            <a:pPr marL="0" indent="0">
+              <a:buNone/>
+            </a:pPr>
+            <a:r>
+              <a:rPr lang="en-US" dirty="0" smtClean="0"/>
+              <a:t>You: I CAN BE A JEDI???</a:t>
+            </a:r>
+          </a:p>
+          <a:p>
+            <a:pPr marL="0" indent="0">
+              <a:buNone/>
+            </a:pPr>
+            <a:endParaRPr lang="en-US" dirty="0"/>
+          </a:p>
+          <a:p>
+            <a:pPr marL="0" indent="0">
+              <a:buNone/>
+            </a:pPr>
+            <a:r>
+              <a:rPr lang="en-US" dirty="0" smtClean="0"/>
+              <a:t>Me: </a:t>
+            </a:r>
+            <a:r>
               <a:rPr lang="en-US" dirty="0" err="1" smtClean="0"/>
-              <a:t>Pshhh</a:t>
-            </a:r>
-            <a:r>
-              <a:rPr lang="en-US" dirty="0" smtClean="0"/>
-              <a:t>…too </a:t>
-            </a:r>
-            <a:r>
-              <a:rPr lang="en-US" dirty="0" smtClean="0"/>
-              <a:t>easy for a 402</a:t>
-            </a:r>
+              <a:t>Shhhh</a:t>
+            </a:r>
+            <a:r>
+              <a:rPr lang="en-US" dirty="0" smtClean="0"/>
+              <a:t>…you can use a </a:t>
+            </a:r>
+            <a:r>
+              <a:rPr lang="en-US" dirty="0" err="1" smtClean="0"/>
+              <a:t>sightlaber</a:t>
+            </a:r>
+            <a:r>
+              <a:rPr lang="en-US" dirty="0" smtClean="0"/>
+              <a:t>, and yes you can be a </a:t>
+            </a:r>
+            <a:r>
+              <a:rPr lang="en-US" dirty="0" err="1" smtClean="0"/>
+              <a:t>deji</a:t>
+            </a:r>
+            <a:r>
+              <a:rPr lang="en-US" dirty="0" smtClean="0"/>
+              <a:t>. This all of course takes place in the War Stars universe.</a:t>
+            </a:r>
+          </a:p>
+          <a:p>
+            <a:pPr marL="0" indent="0">
+              <a:buNone/>
+            </a:pPr>
             <a:endParaRPr lang="en-US" dirty="0"/>
           </a:p>
-        </p:txBody>
-      </p:sp>
-      <p:sp>
-        <p:nvSpPr>
-          <p:cNvPr id="3" name="Content Placeholder 2"/>
-          <p:cNvSpPr>
-            <a:spLocks noGrp="1"/>
-          </p:cNvSpPr>
-          <p:nvPr>
-            <p:ph idx="1"/>
-          </p:nvPr>
-        </p:nvSpPr>
-        <p:spPr/>
-        <p:txBody>
-          <a:bodyPr/>
-          <a:lstStyle/>
           <a:p>
             <a:pPr marL="0" indent="0">
               <a:buNone/>
             </a:pPr>
             <a:r>
               <a:rPr lang="en-US" dirty="0" smtClean="0"/>
-              <a:t>The major </a:t>
-            </a:r>
-            <a:r>
-              <a:rPr lang="en-US" strike="sngStrike" dirty="0" smtClean="0"/>
-              <a:t>barriers</a:t>
-            </a:r>
-            <a:r>
-              <a:rPr lang="en-US" dirty="0" smtClean="0"/>
-              <a:t> issues I’ll have to overcome include:</a:t>
-            </a:r>
-          </a:p>
-          <a:p>
-            <a:r>
-              <a:rPr lang="en-US" dirty="0" smtClean="0"/>
-              <a:t>Mapping the hand peripheral perfectly to the hand in-game</a:t>
-            </a:r>
-          </a:p>
-          <a:p>
-            <a:r>
-              <a:rPr lang="en-US" dirty="0" smtClean="0"/>
-              <a:t>Making competent AI for a player who can literally do anything</a:t>
-            </a:r>
-          </a:p>
-          <a:p>
-            <a:r>
-              <a:rPr lang="en-US" dirty="0" smtClean="0"/>
-              <a:t>Providing feedback to encourage players to acknowledge blocks</a:t>
-            </a:r>
-          </a:p>
-          <a:p>
-            <a:r>
-              <a:rPr lang="en-US" i="1" dirty="0" smtClean="0"/>
-              <a:t>Not making the player want to puke</a:t>
-            </a:r>
-            <a:endParaRPr lang="en-US" i="1" dirty="0"/>
-          </a:p>
-        </p:txBody>
-      </p:sp>
-      <p:sp>
-        <p:nvSpPr>
-          <p:cNvPr id="4" name="TextBox 3"/>
+              <a:t>You: W—War Stars?</a:t>
+            </a:r>
+          </a:p>
+          <a:p>
+            <a:pPr marL="0" indent="0">
+              <a:buNone/>
+            </a:pPr>
+            <a:endParaRPr lang="en-US" dirty="0"/>
+          </a:p>
+          <a:p>
+            <a:pPr marL="0" indent="0">
+              <a:buNone/>
+            </a:pPr>
+            <a:r>
+              <a:rPr lang="en-US" dirty="0" smtClean="0"/>
+              <a:t>Me: </a:t>
+            </a:r>
+            <a:r>
+              <a:rPr lang="en-US" dirty="0" err="1" smtClean="0"/>
+              <a:t>Ehhh</a:t>
+            </a:r>
+            <a:r>
+              <a:rPr lang="en-US" dirty="0" smtClean="0"/>
+              <a:t>… yeah. War Stars.</a:t>
+            </a:r>
+          </a:p>
+        </p:txBody>
+      </p:sp>
+      <p:sp>
+        <p:nvSpPr>
+          <p:cNvPr id="5" name="TextBox 4"/>
           <p:cNvSpPr txBox="1"/>
           <p:nvPr/>
         </p:nvSpPr>
         <p:spPr>
           <a:xfrm>
-            <a:off x="178719" y="6311900"/>
-            <a:ext cx="2463495" cy="369332"/>
+            <a:off x="7803270" y="6311900"/>
+            <a:ext cx="2847703" cy="369332"/>
           </a:xfrm>
           <a:prstGeom prst="rect">
             <a:avLst/>
@@ -3607,58 +3643,98 @@
           <a:noFill/>
         </p:spPr>
         <p:txBody>
-          <a:bodyPr wrap="none" rtlCol="0">
+          <a:bodyPr wrap="square" rtlCol="0">
             <a:spAutoFit/>
           </a:bodyPr>
           <a:lstStyle/>
           <a:p>
             <a:r>
               <a:rPr lang="en-US" dirty="0" smtClean="0"/>
-              <a:t>Seriously, it’s a problem.</a:t>
+              <a:t>Fig. 1: The duel on </a:t>
+            </a:r>
+            <a:r>
+              <a:rPr lang="en-US" dirty="0" err="1" smtClean="0"/>
+              <a:t>Mustafar</a:t>
             </a:r>
             <a:endParaRPr lang="en-US" dirty="0"/>
           </a:p>
         </p:txBody>
       </p:sp>
-      <p:cxnSp>
-        <p:nvCxnSpPr>
-          <p:cNvPr id="6" name="Straight Arrow Connector 5"/>
-          <p:cNvCxnSpPr>
-            <a:stCxn id="4" idx="0"/>
-          </p:cNvCxnSpPr>
+      <p:pic>
+        <p:nvPicPr>
+          <p:cNvPr id="6" name="Picture 5"/>
+          <p:cNvPicPr>
+            <a:picLocks noChangeAspect="1"/>
+          </p:cNvPicPr>
           <p:nvPr/>
-        </p:nvCxnSpPr>
+        </p:nvPicPr>
+        <p:blipFill>
+          <a:blip r:embed="rId2">
+            <a:extLst>
+              <a:ext uri="{28A0092B-C50C-407E-A947-70E740481C1C}">
+                <a14:useLocalDpi xmlns:a14="http://schemas.microsoft.com/office/drawing/2010/main" val="0"/>
+              </a:ext>
+            </a:extLst>
+          </a:blip>
+          <a:stretch>
+            <a:fillRect/>
+          </a:stretch>
+        </p:blipFill>
         <p:spPr>
-          <a:xfrm flipV="1">
-            <a:off x="1410467" y="4297680"/>
-            <a:ext cx="3788550" cy="2014220"/>
+          <a:xfrm>
+            <a:off x="7006560" y="5071262"/>
+            <a:ext cx="4692891" cy="476274"/>
           </a:xfrm>
-          <a:prstGeom prst="straightConnector1">
+          <a:prstGeom prst="rect">
             <a:avLst/>
           </a:prstGeom>
-          <a:ln>
-            <a:tailEnd type="triangle"/>
-          </a:ln>
+        </p:spPr>
+      </p:pic>
+      <p:sp>
+        <p:nvSpPr>
+          <p:cNvPr id="7" name="Rectangle 6"/>
+          <p:cNvSpPr/>
+          <p:nvPr/>
+        </p:nvSpPr>
+        <p:spPr>
+          <a:xfrm>
+            <a:off x="6714309" y="4306899"/>
+            <a:ext cx="5277394" cy="2005001"/>
+          </a:xfrm>
+          <a:prstGeom prst="rect">
+            <a:avLst/>
+          </a:prstGeom>
+          <a:noFill/>
         </p:spPr>
         <p:style>
-          <a:lnRef idx="1">
-            <a:schemeClr val="dk1"/>
+          <a:lnRef idx="2">
+            <a:schemeClr val="accent1">
+              <a:shade val="50000"/>
+            </a:schemeClr>
           </a:lnRef>
-          <a:fillRef idx="0">
-            <a:schemeClr val="dk1"/>
+          <a:fillRef idx="1">
+            <a:schemeClr val="accent1"/>
           </a:fillRef>
           <a:effectRef idx="0">
-            <a:schemeClr val="dk1"/>
+            <a:schemeClr val="accent1"/>
           </a:effectRef>
           <a:fontRef idx="minor">
-            <a:schemeClr val="tx1"/>
+            <a:schemeClr val="lt1"/>
           </a:fontRef>
         </p:style>
-      </p:cxnSp>
+        <p:txBody>
+          <a:bodyPr rtlCol="0" anchor="ctr"/>
+          <a:lstStyle/>
+          <a:p>
+            <a:pPr algn="ctr"/>
+            <a:endParaRPr lang="en-US"/>
+          </a:p>
+        </p:txBody>
+      </p:sp>
     </p:spTree>
     <p:extLst>
       <p:ext uri="{BB962C8B-B14F-4D97-AF65-F5344CB8AC3E}">
-        <p14:creationId xmlns:p14="http://schemas.microsoft.com/office/powerpoint/2010/main" val="924433605"/>
+        <p14:creationId xmlns:p14="http://schemas.microsoft.com/office/powerpoint/2010/main" val="2950605904"/>
       </p:ext>
     </p:extLst>
   </p:cSld>
@@ -3735,36 +3811,19 @@
             </a:pPr>
             <a:r>
               <a:rPr lang="en-US" dirty="0" smtClean="0"/>
-              <a:t>The game, at present, is planned to have 1 game mode, with a possible </a:t>
-            </a:r>
-            <a:r>
-              <a:rPr lang="en-US" dirty="0" smtClean="0"/>
-              <a:t>second/third</a:t>
-            </a:r>
-            <a:endParaRPr lang="en-US" dirty="0" smtClean="0"/>
-          </a:p>
-          <a:p>
-            <a:r>
-              <a:rPr lang="en-US" dirty="0" smtClean="0"/>
-              <a:t>First, 1 on 1 player vs computer </a:t>
-            </a:r>
-            <a:r>
-              <a:rPr lang="en-US" dirty="0" smtClean="0"/>
-              <a:t>combat</a:t>
-            </a:r>
-          </a:p>
-          <a:p>
-            <a:r>
-              <a:rPr lang="en-US" dirty="0" smtClean="0"/>
-              <a:t>Second</a:t>
-            </a:r>
-            <a:r>
-              <a:rPr lang="en-US" dirty="0" smtClean="0"/>
-              <a:t>, if possible, “blindfold mode”, in which the player’s camera is “covered” (black), and they must rely on sound alone to determine where the AI is, when it’s attacking, and how it’s attacking</a:t>
-            </a:r>
-            <a:r>
-              <a:rPr lang="en-US" dirty="0" smtClean="0"/>
-              <a:t>.</a:t>
+              <a:t>The game, at present, is planned to have 1 game mode, with a possible second/third</a:t>
+            </a:r>
+          </a:p>
+          <a:p>
+            <a:r>
+              <a:rPr lang="en-US" dirty="0" smtClean="0"/>
+              <a:t>First, 1 on 1 player vs computer combat</a:t>
+            </a:r>
+          </a:p>
+          <a:p>
+            <a:r>
+              <a:rPr lang="en-US" dirty="0" smtClean="0"/>
+              <a:t>Second, if possible, “blindfold mode”, in which the player’s camera is “covered” (black), and they must rely on sound alone to determine where the AI is, when it’s attacking, and how it’s attacking.</a:t>
             </a:r>
           </a:p>
           <a:p>
@@ -3824,511 +3883,6 @@
 </file>
 
 <file path=ppt/slides/slide5.xml><?xml version="1.0" encoding="utf-8"?>
-<p:sld xmlns:a="http://schemas.openxmlformats.org/drawingml/2006/main" xmlns:r="http://schemas.openxmlformats.org/officeDocument/2006/relationships" xmlns:p="http://schemas.openxmlformats.org/presentationml/2006/main">
-  <p:cSld>
-    <p:spTree>
-      <p:nvGrpSpPr>
-        <p:cNvPr id="1" name=""/>
-        <p:cNvGrpSpPr/>
-        <p:nvPr/>
-      </p:nvGrpSpPr>
-      <p:grpSpPr>
-        <a:xfrm>
-          <a:off x="0" y="0"/>
-          <a:ext cx="0" cy="0"/>
-          <a:chOff x="0" y="0"/>
-          <a:chExt cx="0" cy="0"/>
-        </a:xfrm>
-      </p:grpSpPr>
-      <p:sp>
-        <p:nvSpPr>
-          <p:cNvPr id="2" name="Title 1"/>
-          <p:cNvSpPr>
-            <a:spLocks noGrp="1"/>
-          </p:cNvSpPr>
-          <p:nvPr>
-            <p:ph type="title"/>
-          </p:nvPr>
-        </p:nvSpPr>
-        <p:spPr/>
-        <p:txBody>
-          <a:bodyPr/>
-          <a:lstStyle/>
-          <a:p>
-            <a:r>
-              <a:rPr lang="en-US" dirty="0" smtClean="0"/>
-              <a:t>How does it all work?</a:t>
-            </a:r>
-            <a:endParaRPr lang="en-US" dirty="0"/>
-          </a:p>
-        </p:txBody>
-      </p:sp>
-      <p:sp>
-        <p:nvSpPr>
-          <p:cNvPr id="3" name="Content Placeholder 2"/>
-          <p:cNvSpPr>
-            <a:spLocks noGrp="1"/>
-          </p:cNvSpPr>
-          <p:nvPr>
-            <p:ph idx="1"/>
-          </p:nvPr>
-        </p:nvSpPr>
-        <p:spPr/>
-        <p:txBody>
-          <a:bodyPr/>
-          <a:lstStyle/>
-          <a:p>
-            <a:r>
-              <a:rPr lang="en-US" dirty="0" smtClean="0"/>
-              <a:t>The game will be built using the Unity game engine, and run on any VR-capable computer</a:t>
-            </a:r>
-            <a:endParaRPr lang="en-US" dirty="0"/>
-          </a:p>
-        </p:txBody>
-      </p:sp>
-      <p:sp>
-        <p:nvSpPr>
-          <p:cNvPr id="4" name="TextBox 3"/>
-          <p:cNvSpPr txBox="1"/>
-          <p:nvPr/>
-        </p:nvSpPr>
-        <p:spPr>
-          <a:xfrm>
-            <a:off x="178719" y="6311900"/>
-            <a:ext cx="2325765" cy="369332"/>
-          </a:xfrm>
-          <a:prstGeom prst="rect">
-            <a:avLst/>
-          </a:prstGeom>
-          <a:noFill/>
-        </p:spPr>
-        <p:txBody>
-          <a:bodyPr wrap="none" rtlCol="0">
-            <a:spAutoFit/>
-          </a:bodyPr>
-          <a:lstStyle/>
-          <a:p>
-            <a:r>
-              <a:rPr lang="en-US" dirty="0" smtClean="0"/>
-              <a:t>That’s how it all works.</a:t>
-            </a:r>
-            <a:endParaRPr lang="en-US" dirty="0"/>
-          </a:p>
-        </p:txBody>
-      </p:sp>
-    </p:spTree>
-    <p:extLst>
-      <p:ext uri="{BB962C8B-B14F-4D97-AF65-F5344CB8AC3E}">
-        <p14:creationId xmlns:p14="http://schemas.microsoft.com/office/powerpoint/2010/main" val="3305482291"/>
-      </p:ext>
-    </p:extLst>
-  </p:cSld>
-  <p:clrMapOvr>
-    <a:masterClrMapping/>
-  </p:clrMapOvr>
-</p:sld>
-</file>
-
-<file path=ppt/slides/slide6.xml><?xml version="1.0" encoding="utf-8"?>
-<p:sld xmlns:a="http://schemas.openxmlformats.org/drawingml/2006/main" xmlns:r="http://schemas.openxmlformats.org/officeDocument/2006/relationships" xmlns:p="http://schemas.openxmlformats.org/presentationml/2006/main">
-  <p:cSld>
-    <p:spTree>
-      <p:nvGrpSpPr>
-        <p:cNvPr id="1" name=""/>
-        <p:cNvGrpSpPr/>
-        <p:nvPr/>
-      </p:nvGrpSpPr>
-      <p:grpSpPr>
-        <a:xfrm>
-          <a:off x="0" y="0"/>
-          <a:ext cx="0" cy="0"/>
-          <a:chOff x="0" y="0"/>
-          <a:chExt cx="0" cy="0"/>
-        </a:xfrm>
-      </p:grpSpPr>
-      <p:sp>
-        <p:nvSpPr>
-          <p:cNvPr id="2" name="Title 1"/>
-          <p:cNvSpPr>
-            <a:spLocks noGrp="1"/>
-          </p:cNvSpPr>
-          <p:nvPr>
-            <p:ph type="title"/>
-          </p:nvPr>
-        </p:nvSpPr>
-        <p:spPr/>
-        <p:txBody>
-          <a:bodyPr/>
-          <a:lstStyle/>
-          <a:p>
-            <a:r>
-              <a:rPr lang="en-US" dirty="0" smtClean="0"/>
-              <a:t>…“Barrier to Entry”?</a:t>
-            </a:r>
-            <a:endParaRPr lang="en-US" dirty="0"/>
-          </a:p>
-        </p:txBody>
-      </p:sp>
-      <p:sp>
-        <p:nvSpPr>
-          <p:cNvPr id="3" name="Content Placeholder 2"/>
-          <p:cNvSpPr>
-            <a:spLocks noGrp="1"/>
-          </p:cNvSpPr>
-          <p:nvPr>
-            <p:ph idx="1"/>
-          </p:nvPr>
-        </p:nvSpPr>
-        <p:spPr/>
-        <p:txBody>
-          <a:bodyPr/>
-          <a:lstStyle/>
-          <a:p>
-            <a:pPr marL="0" indent="0">
-              <a:buNone/>
-            </a:pPr>
-            <a:r>
-              <a:rPr lang="en-US" dirty="0" smtClean="0"/>
-              <a:t>The game requires:</a:t>
-            </a:r>
-          </a:p>
-          <a:p>
-            <a:r>
-              <a:rPr lang="en-US" dirty="0"/>
-              <a:t>T</a:t>
-            </a:r>
-            <a:r>
-              <a:rPr lang="en-US" dirty="0" smtClean="0"/>
-              <a:t>he Oculus Rift (for VR) </a:t>
-            </a:r>
-          </a:p>
-          <a:p>
-            <a:r>
-              <a:rPr lang="en-US" dirty="0"/>
-              <a:t>T</a:t>
-            </a:r>
-            <a:r>
-              <a:rPr lang="en-US" dirty="0" smtClean="0"/>
-              <a:t>he Razer Hydra (for hand tracking)</a:t>
-            </a:r>
-          </a:p>
-          <a:p>
-            <a:r>
-              <a:rPr lang="en-US" dirty="0" smtClean="0"/>
-              <a:t>A solid PC that can handle all of that</a:t>
-            </a:r>
-          </a:p>
-          <a:p>
-            <a:endParaRPr lang="en-US" dirty="0"/>
-          </a:p>
-          <a:p>
-            <a:pPr marL="0" indent="0">
-              <a:buNone/>
-            </a:pPr>
-            <a:r>
-              <a:rPr lang="en-US" dirty="0" smtClean="0"/>
-              <a:t>Each of these are…not cheap. Hence the name, “Barrier to Entry”</a:t>
-            </a:r>
-            <a:endParaRPr lang="en-US" dirty="0"/>
-          </a:p>
-        </p:txBody>
-      </p:sp>
-    </p:spTree>
-    <p:extLst>
-      <p:ext uri="{BB962C8B-B14F-4D97-AF65-F5344CB8AC3E}">
-        <p14:creationId xmlns:p14="http://schemas.microsoft.com/office/powerpoint/2010/main" val="530600739"/>
-      </p:ext>
-    </p:extLst>
-  </p:cSld>
-  <p:clrMapOvr>
-    <a:masterClrMapping/>
-  </p:clrMapOvr>
-  <p:timing>
-    <p:tnLst>
-      <p:par>
-        <p:cTn id="1" dur="indefinite" restart="never" nodeType="tmRoot"/>
-      </p:par>
-    </p:tnLst>
-  </p:timing>
-</p:sld>
-</file>
-
-<file path=ppt/slides/slide7.xml><?xml version="1.0" encoding="utf-8"?>
-<p:sld xmlns:a="http://schemas.openxmlformats.org/drawingml/2006/main" xmlns:r="http://schemas.openxmlformats.org/officeDocument/2006/relationships" xmlns:p="http://schemas.openxmlformats.org/presentationml/2006/main">
-  <p:cSld>
-    <p:spTree>
-      <p:nvGrpSpPr>
-        <p:cNvPr id="1" name=""/>
-        <p:cNvGrpSpPr/>
-        <p:nvPr/>
-      </p:nvGrpSpPr>
-      <p:grpSpPr>
-        <a:xfrm>
-          <a:off x="0" y="0"/>
-          <a:ext cx="0" cy="0"/>
-          <a:chOff x="0" y="0"/>
-          <a:chExt cx="0" cy="0"/>
-        </a:xfrm>
-      </p:grpSpPr>
-      <p:sp>
-        <p:nvSpPr>
-          <p:cNvPr id="2" name="Title 1"/>
-          <p:cNvSpPr>
-            <a:spLocks noGrp="1"/>
-          </p:cNvSpPr>
-          <p:nvPr>
-            <p:ph type="title"/>
-          </p:nvPr>
-        </p:nvSpPr>
-        <p:spPr/>
-        <p:txBody>
-          <a:bodyPr/>
-          <a:lstStyle/>
-          <a:p>
-            <a:r>
-              <a:rPr lang="en-US" dirty="0" smtClean="0"/>
-              <a:t>Did you say </a:t>
-            </a:r>
-            <a:r>
-              <a:rPr lang="en-US" i="1" dirty="0" smtClean="0"/>
-              <a:t>Star Wars</a:t>
-            </a:r>
-            <a:r>
-              <a:rPr lang="en-US" dirty="0" smtClean="0"/>
-              <a:t>?</a:t>
-            </a:r>
-            <a:endParaRPr lang="en-US" dirty="0"/>
-          </a:p>
-        </p:txBody>
-      </p:sp>
-      <p:sp>
-        <p:nvSpPr>
-          <p:cNvPr id="3" name="Content Placeholder 2"/>
-          <p:cNvSpPr>
-            <a:spLocks noGrp="1"/>
-          </p:cNvSpPr>
-          <p:nvPr>
-            <p:ph idx="1"/>
-          </p:nvPr>
-        </p:nvSpPr>
-        <p:spPr/>
-        <p:txBody>
-          <a:bodyPr/>
-          <a:lstStyle/>
-          <a:p>
-            <a:pPr marL="0" indent="0">
-              <a:buNone/>
-            </a:pPr>
-            <a:r>
-              <a:rPr lang="en-US" dirty="0" smtClean="0"/>
-              <a:t>You: I CAN BE A JEDI???</a:t>
-            </a:r>
-          </a:p>
-          <a:p>
-            <a:pPr marL="0" indent="0">
-              <a:buNone/>
-            </a:pPr>
-            <a:endParaRPr lang="en-US" dirty="0"/>
-          </a:p>
-          <a:p>
-            <a:pPr marL="0" indent="0">
-              <a:buNone/>
-            </a:pPr>
-            <a:r>
-              <a:rPr lang="en-US" dirty="0" smtClean="0"/>
-              <a:t>Me: </a:t>
-            </a:r>
-            <a:r>
-              <a:rPr lang="en-US" dirty="0" err="1" smtClean="0"/>
-              <a:t>Shhhh</a:t>
-            </a:r>
-            <a:r>
-              <a:rPr lang="en-US" dirty="0" smtClean="0"/>
-              <a:t>…you can use a </a:t>
-            </a:r>
-            <a:r>
-              <a:rPr lang="en-US" dirty="0" err="1" smtClean="0"/>
-              <a:t>sightlaber</a:t>
-            </a:r>
-            <a:r>
-              <a:rPr lang="en-US" dirty="0" smtClean="0"/>
-              <a:t>, and yes you can be a </a:t>
-            </a:r>
-            <a:r>
-              <a:rPr lang="en-US" dirty="0" err="1" smtClean="0"/>
-              <a:t>deji</a:t>
-            </a:r>
-            <a:r>
-              <a:rPr lang="en-US" dirty="0" smtClean="0"/>
-              <a:t>. This all of course takes place in the War Stars universe.</a:t>
-            </a:r>
-          </a:p>
-          <a:p>
-            <a:pPr marL="0" indent="0">
-              <a:buNone/>
-            </a:pPr>
-            <a:endParaRPr lang="en-US" dirty="0"/>
-          </a:p>
-          <a:p>
-            <a:pPr marL="0" indent="0">
-              <a:buNone/>
-            </a:pPr>
-            <a:r>
-              <a:rPr lang="en-US" dirty="0" smtClean="0"/>
-              <a:t>You: W—War Stars?</a:t>
-            </a:r>
-          </a:p>
-          <a:p>
-            <a:pPr marL="0" indent="0">
-              <a:buNone/>
-            </a:pPr>
-            <a:endParaRPr lang="en-US" dirty="0"/>
-          </a:p>
-          <a:p>
-            <a:pPr marL="0" indent="0">
-              <a:buNone/>
-            </a:pPr>
-            <a:r>
-              <a:rPr lang="en-US" dirty="0" smtClean="0"/>
-              <a:t>Me: </a:t>
-            </a:r>
-            <a:r>
-              <a:rPr lang="en-US" dirty="0" err="1" smtClean="0"/>
-              <a:t>Ehhh</a:t>
-            </a:r>
-            <a:r>
-              <a:rPr lang="en-US" dirty="0" smtClean="0"/>
-              <a:t>… yeah. War Stars.</a:t>
-            </a:r>
-          </a:p>
-        </p:txBody>
-      </p:sp>
-      <p:sp>
-        <p:nvSpPr>
-          <p:cNvPr id="5" name="TextBox 4"/>
-          <p:cNvSpPr txBox="1"/>
-          <p:nvPr/>
-        </p:nvSpPr>
-        <p:spPr>
-          <a:xfrm>
-            <a:off x="7803270" y="6311900"/>
-            <a:ext cx="2847703" cy="369332"/>
-          </a:xfrm>
-          <a:prstGeom prst="rect">
-            <a:avLst/>
-          </a:prstGeom>
-          <a:noFill/>
-        </p:spPr>
-        <p:txBody>
-          <a:bodyPr wrap="square" rtlCol="0">
-            <a:spAutoFit/>
-          </a:bodyPr>
-          <a:lstStyle/>
-          <a:p>
-            <a:r>
-              <a:rPr lang="en-US" dirty="0" smtClean="0"/>
-              <a:t>Fig. 1: The duel on </a:t>
-            </a:r>
-            <a:r>
-              <a:rPr lang="en-US" dirty="0" err="1" smtClean="0"/>
-              <a:t>Mustafar</a:t>
-            </a:r>
-            <a:endParaRPr lang="en-US" dirty="0"/>
-          </a:p>
-        </p:txBody>
-      </p:sp>
-      <p:pic>
-        <p:nvPicPr>
-          <p:cNvPr id="6" name="Picture 5"/>
-          <p:cNvPicPr>
-            <a:picLocks noChangeAspect="1"/>
-          </p:cNvPicPr>
-          <p:nvPr/>
-        </p:nvPicPr>
-        <p:blipFill>
-          <a:blip r:embed="rId2">
-            <a:extLst>
-              <a:ext uri="{28A0092B-C50C-407E-A947-70E740481C1C}">
-                <a14:useLocalDpi xmlns:a14="http://schemas.microsoft.com/office/drawing/2010/main" val="0"/>
-              </a:ext>
-            </a:extLst>
-          </a:blip>
-          <a:stretch>
-            <a:fillRect/>
-          </a:stretch>
-        </p:blipFill>
-        <p:spPr>
-          <a:xfrm>
-            <a:off x="7006560" y="5071262"/>
-            <a:ext cx="4692891" cy="476274"/>
-          </a:xfrm>
-          <a:prstGeom prst="rect">
-            <a:avLst/>
-          </a:prstGeom>
-        </p:spPr>
-      </p:pic>
-      <p:sp>
-        <p:nvSpPr>
-          <p:cNvPr id="7" name="Rectangle 6"/>
-          <p:cNvSpPr/>
-          <p:nvPr/>
-        </p:nvSpPr>
-        <p:spPr>
-          <a:xfrm>
-            <a:off x="6714309" y="4306899"/>
-            <a:ext cx="5277394" cy="2005001"/>
-          </a:xfrm>
-          <a:prstGeom prst="rect">
-            <a:avLst/>
-          </a:prstGeom>
-          <a:noFill/>
-        </p:spPr>
-        <p:style>
-          <a:lnRef idx="2">
-            <a:schemeClr val="accent1">
-              <a:shade val="50000"/>
-            </a:schemeClr>
-          </a:lnRef>
-          <a:fillRef idx="1">
-            <a:schemeClr val="accent1"/>
-          </a:fillRef>
-          <a:effectRef idx="0">
-            <a:schemeClr val="accent1"/>
-          </a:effectRef>
-          <a:fontRef idx="minor">
-            <a:schemeClr val="lt1"/>
-          </a:fontRef>
-        </p:style>
-        <p:txBody>
-          <a:bodyPr rtlCol="0" anchor="ctr"/>
-          <a:lstStyle/>
-          <a:p>
-            <a:pPr algn="ctr"/>
-            <a:endParaRPr lang="en-US"/>
-          </a:p>
-        </p:txBody>
-      </p:sp>
-    </p:spTree>
-    <p:extLst>
-      <p:ext uri="{BB962C8B-B14F-4D97-AF65-F5344CB8AC3E}">
-        <p14:creationId xmlns:p14="http://schemas.microsoft.com/office/powerpoint/2010/main" val="2950605904"/>
-      </p:ext>
-    </p:extLst>
-  </p:cSld>
-  <p:clrMapOvr>
-    <a:masterClrMapping/>
-  </p:clrMapOvr>
-  <p:timing>
-    <p:tnLst>
-      <p:par>
-        <p:cTn id="1" dur="indefinite" restart="never" nodeType="tmRoot"/>
-      </p:par>
-    </p:tnLst>
-  </p:timing>
-</p:sld>
-</file>
-
-<file path=ppt/slides/slide8.xml><?xml version="1.0" encoding="utf-8"?>
 <p:sld xmlns:a="http://schemas.openxmlformats.org/drawingml/2006/main" xmlns:r="http://schemas.openxmlformats.org/officeDocument/2006/relationships" xmlns:p="http://schemas.openxmlformats.org/presentationml/2006/main">
   <p:cSld>
     <p:spTree>
@@ -4486,6 +4040,423 @@
     <p:extLst>
       <p:ext uri="{BB962C8B-B14F-4D97-AF65-F5344CB8AC3E}">
         <p14:creationId xmlns:p14="http://schemas.microsoft.com/office/powerpoint/2010/main" val="2479223679"/>
+      </p:ext>
+    </p:extLst>
+  </p:cSld>
+  <p:clrMapOvr>
+    <a:masterClrMapping/>
+  </p:clrMapOvr>
+  <p:timing>
+    <p:tnLst>
+      <p:par>
+        <p:cTn id="1" dur="indefinite" restart="never" nodeType="tmRoot"/>
+      </p:par>
+    </p:tnLst>
+  </p:timing>
+</p:sld>
+</file>
+
+<file path=ppt/slides/slide6.xml><?xml version="1.0" encoding="utf-8"?>
+<p:sld xmlns:a="http://schemas.openxmlformats.org/drawingml/2006/main" xmlns:r="http://schemas.openxmlformats.org/officeDocument/2006/relationships" xmlns:p="http://schemas.openxmlformats.org/presentationml/2006/main">
+  <p:cSld>
+    <p:spTree>
+      <p:nvGrpSpPr>
+        <p:cNvPr id="1" name=""/>
+        <p:cNvGrpSpPr/>
+        <p:nvPr/>
+      </p:nvGrpSpPr>
+      <p:grpSpPr>
+        <a:xfrm>
+          <a:off x="0" y="0"/>
+          <a:ext cx="0" cy="0"/>
+          <a:chOff x="0" y="0"/>
+          <a:chExt cx="0" cy="0"/>
+        </a:xfrm>
+      </p:grpSpPr>
+      <p:sp>
+        <p:nvSpPr>
+          <p:cNvPr id="2" name="Title 1"/>
+          <p:cNvSpPr>
+            <a:spLocks noGrp="1"/>
+          </p:cNvSpPr>
+          <p:nvPr>
+            <p:ph type="title"/>
+          </p:nvPr>
+        </p:nvSpPr>
+        <p:spPr/>
+        <p:txBody>
+          <a:bodyPr/>
+          <a:lstStyle/>
+          <a:p>
+            <a:r>
+              <a:rPr lang="en-US" dirty="0" err="1" smtClean="0"/>
+              <a:t>Pshhh</a:t>
+            </a:r>
+            <a:r>
+              <a:rPr lang="en-US" dirty="0" smtClean="0"/>
+              <a:t>…too easy for a 402</a:t>
+            </a:r>
+            <a:endParaRPr lang="en-US" dirty="0"/>
+          </a:p>
+        </p:txBody>
+      </p:sp>
+      <p:sp>
+        <p:nvSpPr>
+          <p:cNvPr id="3" name="Content Placeholder 2"/>
+          <p:cNvSpPr>
+            <a:spLocks noGrp="1"/>
+          </p:cNvSpPr>
+          <p:nvPr>
+            <p:ph idx="1"/>
+          </p:nvPr>
+        </p:nvSpPr>
+        <p:spPr/>
+        <p:txBody>
+          <a:bodyPr/>
+          <a:lstStyle/>
+          <a:p>
+            <a:pPr marL="0" indent="0">
+              <a:buNone/>
+            </a:pPr>
+            <a:r>
+              <a:rPr lang="en-US" dirty="0" smtClean="0"/>
+              <a:t>The major </a:t>
+            </a:r>
+            <a:r>
+              <a:rPr lang="en-US" strike="sngStrike" dirty="0" smtClean="0"/>
+              <a:t>barriers</a:t>
+            </a:r>
+            <a:r>
+              <a:rPr lang="en-US" dirty="0" smtClean="0"/>
+              <a:t> issues I’ll have to overcome include:</a:t>
+            </a:r>
+          </a:p>
+          <a:p>
+            <a:r>
+              <a:rPr lang="en-US" dirty="0" smtClean="0"/>
+              <a:t>Mapping the hand peripheral perfectly to the hand in-game</a:t>
+            </a:r>
+          </a:p>
+          <a:p>
+            <a:r>
+              <a:rPr lang="en-US" dirty="0" smtClean="0"/>
+              <a:t>Making competent AI for a player who can literally do anything</a:t>
+            </a:r>
+          </a:p>
+          <a:p>
+            <a:r>
+              <a:rPr lang="en-US" dirty="0" smtClean="0"/>
+              <a:t>Providing feedback to encourage players to acknowledge blocks</a:t>
+            </a:r>
+          </a:p>
+          <a:p>
+            <a:r>
+              <a:rPr lang="en-US" i="1" dirty="0" smtClean="0"/>
+              <a:t>Not making the player want to puke</a:t>
+            </a:r>
+            <a:endParaRPr lang="en-US" i="1" dirty="0"/>
+          </a:p>
+        </p:txBody>
+      </p:sp>
+      <p:sp>
+        <p:nvSpPr>
+          <p:cNvPr id="4" name="TextBox 3"/>
+          <p:cNvSpPr txBox="1"/>
+          <p:nvPr/>
+        </p:nvSpPr>
+        <p:spPr>
+          <a:xfrm>
+            <a:off x="178719" y="6311900"/>
+            <a:ext cx="2463495" cy="369332"/>
+          </a:xfrm>
+          <a:prstGeom prst="rect">
+            <a:avLst/>
+          </a:prstGeom>
+          <a:noFill/>
+        </p:spPr>
+        <p:txBody>
+          <a:bodyPr wrap="none" rtlCol="0">
+            <a:spAutoFit/>
+          </a:bodyPr>
+          <a:lstStyle/>
+          <a:p>
+            <a:r>
+              <a:rPr lang="en-US" dirty="0" smtClean="0"/>
+              <a:t>Seriously, it’s a problem.</a:t>
+            </a:r>
+            <a:endParaRPr lang="en-US" dirty="0"/>
+          </a:p>
+        </p:txBody>
+      </p:sp>
+      <p:cxnSp>
+        <p:nvCxnSpPr>
+          <p:cNvPr id="6" name="Straight Arrow Connector 5"/>
+          <p:cNvCxnSpPr>
+            <a:stCxn id="4" idx="0"/>
+          </p:cNvCxnSpPr>
+          <p:nvPr/>
+        </p:nvCxnSpPr>
+        <p:spPr>
+          <a:xfrm flipV="1">
+            <a:off x="1410467" y="4297680"/>
+            <a:ext cx="3788550" cy="2014220"/>
+          </a:xfrm>
+          <a:prstGeom prst="straightConnector1">
+            <a:avLst/>
+          </a:prstGeom>
+          <a:ln>
+            <a:tailEnd type="triangle"/>
+          </a:ln>
+        </p:spPr>
+        <p:style>
+          <a:lnRef idx="1">
+            <a:schemeClr val="dk1"/>
+          </a:lnRef>
+          <a:fillRef idx="0">
+            <a:schemeClr val="dk1"/>
+          </a:fillRef>
+          <a:effectRef idx="0">
+            <a:schemeClr val="dk1"/>
+          </a:effectRef>
+          <a:fontRef idx="minor">
+            <a:schemeClr val="tx1"/>
+          </a:fontRef>
+        </p:style>
+      </p:cxnSp>
+    </p:spTree>
+    <p:extLst>
+      <p:ext uri="{BB962C8B-B14F-4D97-AF65-F5344CB8AC3E}">
+        <p14:creationId xmlns:p14="http://schemas.microsoft.com/office/powerpoint/2010/main" val="924433605"/>
+      </p:ext>
+    </p:extLst>
+  </p:cSld>
+  <p:clrMapOvr>
+    <a:masterClrMapping/>
+  </p:clrMapOvr>
+  <p:timing>
+    <p:tnLst>
+      <p:par>
+        <p:cTn id="1" dur="indefinite" restart="never" nodeType="tmRoot"/>
+      </p:par>
+    </p:tnLst>
+  </p:timing>
+</p:sld>
+</file>
+
+<file path=ppt/slides/slide7.xml><?xml version="1.0" encoding="utf-8"?>
+<p:sld xmlns:a="http://schemas.openxmlformats.org/drawingml/2006/main" xmlns:r="http://schemas.openxmlformats.org/officeDocument/2006/relationships" xmlns:p="http://schemas.openxmlformats.org/presentationml/2006/main">
+  <p:cSld>
+    <p:spTree>
+      <p:nvGrpSpPr>
+        <p:cNvPr id="1" name=""/>
+        <p:cNvGrpSpPr/>
+        <p:nvPr/>
+      </p:nvGrpSpPr>
+      <p:grpSpPr>
+        <a:xfrm>
+          <a:off x="0" y="0"/>
+          <a:ext cx="0" cy="0"/>
+          <a:chOff x="0" y="0"/>
+          <a:chExt cx="0" cy="0"/>
+        </a:xfrm>
+      </p:grpSpPr>
+      <p:sp>
+        <p:nvSpPr>
+          <p:cNvPr id="2" name="Title 1"/>
+          <p:cNvSpPr>
+            <a:spLocks noGrp="1"/>
+          </p:cNvSpPr>
+          <p:nvPr>
+            <p:ph type="title"/>
+          </p:nvPr>
+        </p:nvSpPr>
+        <p:spPr/>
+        <p:txBody>
+          <a:bodyPr/>
+          <a:lstStyle/>
+          <a:p>
+            <a:r>
+              <a:rPr lang="en-US" dirty="0" smtClean="0"/>
+              <a:t>How does it all work?</a:t>
+            </a:r>
+            <a:endParaRPr lang="en-US" dirty="0"/>
+          </a:p>
+        </p:txBody>
+      </p:sp>
+      <p:sp>
+        <p:nvSpPr>
+          <p:cNvPr id="3" name="Content Placeholder 2"/>
+          <p:cNvSpPr>
+            <a:spLocks noGrp="1"/>
+          </p:cNvSpPr>
+          <p:nvPr>
+            <p:ph idx="1"/>
+          </p:nvPr>
+        </p:nvSpPr>
+        <p:spPr/>
+        <p:txBody>
+          <a:bodyPr/>
+          <a:lstStyle/>
+          <a:p>
+            <a:r>
+              <a:rPr lang="en-US" dirty="0" smtClean="0"/>
+              <a:t>The game will be built using the Unity game engine, and run on any VR-capable computer</a:t>
+            </a:r>
+            <a:endParaRPr lang="en-US" dirty="0"/>
+          </a:p>
+        </p:txBody>
+      </p:sp>
+      <p:sp>
+        <p:nvSpPr>
+          <p:cNvPr id="4" name="TextBox 3"/>
+          <p:cNvSpPr txBox="1"/>
+          <p:nvPr/>
+        </p:nvSpPr>
+        <p:spPr>
+          <a:xfrm>
+            <a:off x="178719" y="6311900"/>
+            <a:ext cx="2325765" cy="369332"/>
+          </a:xfrm>
+          <a:prstGeom prst="rect">
+            <a:avLst/>
+          </a:prstGeom>
+          <a:noFill/>
+        </p:spPr>
+        <p:txBody>
+          <a:bodyPr wrap="none" rtlCol="0">
+            <a:spAutoFit/>
+          </a:bodyPr>
+          <a:lstStyle/>
+          <a:p>
+            <a:r>
+              <a:rPr lang="en-US" dirty="0" smtClean="0"/>
+              <a:t>That’s how it all works.</a:t>
+            </a:r>
+            <a:endParaRPr lang="en-US" dirty="0"/>
+          </a:p>
+        </p:txBody>
+      </p:sp>
+    </p:spTree>
+    <p:extLst>
+      <p:ext uri="{BB962C8B-B14F-4D97-AF65-F5344CB8AC3E}">
+        <p14:creationId xmlns:p14="http://schemas.microsoft.com/office/powerpoint/2010/main" val="3305482291"/>
+      </p:ext>
+    </p:extLst>
+  </p:cSld>
+  <p:clrMapOvr>
+    <a:masterClrMapping/>
+  </p:clrMapOvr>
+</p:sld>
+</file>
+
+<file path=ppt/slides/slide8.xml><?xml version="1.0" encoding="utf-8"?>
+<p:sld xmlns:a="http://schemas.openxmlformats.org/drawingml/2006/main" xmlns:r="http://schemas.openxmlformats.org/officeDocument/2006/relationships" xmlns:p="http://schemas.openxmlformats.org/presentationml/2006/main">
+  <p:cSld>
+    <p:spTree>
+      <p:nvGrpSpPr>
+        <p:cNvPr id="1" name=""/>
+        <p:cNvGrpSpPr/>
+        <p:nvPr/>
+      </p:nvGrpSpPr>
+      <p:grpSpPr>
+        <a:xfrm>
+          <a:off x="0" y="0"/>
+          <a:ext cx="0" cy="0"/>
+          <a:chOff x="0" y="0"/>
+          <a:chExt cx="0" cy="0"/>
+        </a:xfrm>
+      </p:grpSpPr>
+      <p:sp>
+        <p:nvSpPr>
+          <p:cNvPr id="2" name="Title 1"/>
+          <p:cNvSpPr>
+            <a:spLocks noGrp="1"/>
+          </p:cNvSpPr>
+          <p:nvPr>
+            <p:ph type="title"/>
+          </p:nvPr>
+        </p:nvSpPr>
+        <p:spPr/>
+        <p:txBody>
+          <a:bodyPr/>
+          <a:lstStyle/>
+          <a:p>
+            <a:r>
+              <a:rPr lang="en-US" dirty="0" smtClean="0"/>
+              <a:t>…“Barrier to Entry”?</a:t>
+            </a:r>
+            <a:endParaRPr lang="en-US" dirty="0"/>
+          </a:p>
+        </p:txBody>
+      </p:sp>
+      <p:sp>
+        <p:nvSpPr>
+          <p:cNvPr id="3" name="Content Placeholder 2"/>
+          <p:cNvSpPr>
+            <a:spLocks noGrp="1"/>
+          </p:cNvSpPr>
+          <p:nvPr>
+            <p:ph idx="1"/>
+          </p:nvPr>
+        </p:nvSpPr>
+        <p:spPr/>
+        <p:txBody>
+          <a:bodyPr/>
+          <a:lstStyle/>
+          <a:p>
+            <a:pPr marL="0" indent="0">
+              <a:buNone/>
+            </a:pPr>
+            <a:r>
+              <a:rPr lang="en-US" dirty="0" smtClean="0"/>
+              <a:t>The game requires:</a:t>
+            </a:r>
+          </a:p>
+          <a:p>
+            <a:r>
+              <a:rPr lang="en-US" dirty="0"/>
+              <a:t>T</a:t>
+            </a:r>
+            <a:r>
+              <a:rPr lang="en-US" dirty="0" smtClean="0"/>
+              <a:t>he Oculus Rift (for VR) </a:t>
+            </a:r>
+          </a:p>
+          <a:p>
+            <a:r>
+              <a:rPr lang="en-US" dirty="0"/>
+              <a:t>T</a:t>
+            </a:r>
+            <a:r>
+              <a:rPr lang="en-US" dirty="0" smtClean="0"/>
+              <a:t>he Razer Hydra (for hand tracking)</a:t>
+            </a:r>
+          </a:p>
+          <a:p>
+            <a:r>
+              <a:rPr lang="en-US" dirty="0" smtClean="0"/>
+              <a:t>A solid PC that can handle all of that</a:t>
+            </a:r>
+          </a:p>
+          <a:p>
+            <a:endParaRPr lang="en-US" dirty="0"/>
+          </a:p>
+          <a:p>
+            <a:pPr marL="0" indent="0">
+              <a:buNone/>
+            </a:pPr>
+            <a:r>
+              <a:rPr lang="en-US" dirty="0" smtClean="0"/>
+              <a:t>Each of these are…not cheap. Hence the name, “Barrier to Entry”</a:t>
+            </a:r>
+            <a:endParaRPr lang="en-US" dirty="0"/>
+          </a:p>
+        </p:txBody>
+      </p:sp>
+    </p:spTree>
+    <p:extLst>
+      <p:ext uri="{BB962C8B-B14F-4D97-AF65-F5344CB8AC3E}">
+        <p14:creationId xmlns:p14="http://schemas.microsoft.com/office/powerpoint/2010/main" val="530600739"/>
       </p:ext>
     </p:extLst>
   </p:cSld>

--- a/Proposal.pptx
+++ b/Proposal.pptx
@@ -4300,7 +4300,33 @@
           <a:p>
             <a:r>
               <a:rPr lang="en-US" dirty="0" smtClean="0"/>
-              <a:t>The game will be built using the Unity game engine, and run on any VR-capable computer</a:t>
+              <a:t>The game will be built using the Unity game engine, and run on any VR-capable </a:t>
+            </a:r>
+            <a:r>
+              <a:rPr lang="en-US" dirty="0" smtClean="0"/>
+              <a:t>computer</a:t>
+            </a:r>
+          </a:p>
+          <a:p>
+            <a:r>
+              <a:rPr lang="en-US" dirty="0" smtClean="0"/>
+              <a:t>Come on, I know you had lightsaber duels as a kid. </a:t>
+            </a:r>
+            <a:r>
+              <a:rPr lang="en-US" dirty="0" err="1" smtClean="0"/>
+              <a:t>Erm</a:t>
+            </a:r>
+            <a:r>
+              <a:rPr lang="en-US" dirty="0" smtClean="0"/>
+              <a:t>, I mean, </a:t>
+            </a:r>
+            <a:r>
+              <a:rPr lang="en-US" dirty="0" err="1" smtClean="0"/>
+              <a:t>sightlabers</a:t>
+            </a:r>
+            <a:r>
+              <a:rPr lang="en-US" dirty="0" smtClean="0"/>
+              <a:t>. Yep. It’s just that, but in VR.</a:t>
             </a:r>
             <a:endParaRPr lang="en-US" dirty="0"/>
           </a:p>
@@ -4315,7 +4341,7 @@
         <p:spPr>
           <a:xfrm>
             <a:off x="178719" y="6311900"/>
-            <a:ext cx="2325765" cy="369332"/>
+            <a:ext cx="6401689" cy="369332"/>
           </a:xfrm>
           <a:prstGeom prst="rect">
             <a:avLst/>
@@ -4330,7 +4356,7 @@
           <a:p>
             <a:r>
               <a:rPr lang="en-US" dirty="0" smtClean="0"/>
-              <a:t>That’s how it all works.</a:t>
+              <a:t>You know, in blindfold mode, I could just play sounds and “fake it”.</a:t>
             </a:r>
             <a:endParaRPr lang="en-US" dirty="0"/>
           </a:p>
